--- a/content/blog/boxplot-interpretation/Tabelas.pptx
+++ b/content/blog/boxplot-interpretation/Tabelas.pptx
@@ -1897,7 +1897,7 @@
           <a:p>
             <a:fld id="{9E7C69A2-E3EF-46C9-8587-B1505559D420}" type="datetimeFigureOut">
               <a:rPr lang="pt-BR" smtClean="0"/>
-              <a:t>26/03/2022</a:t>
+              <a:t>28/09/2023</a:t>
             </a:fld>
             <a:endParaRPr lang="pt-BR"/>
           </a:p>
@@ -2333,7 +2333,7 @@
           <a:p>
             <a:fld id="{9E7C69A2-E3EF-46C9-8587-B1505559D420}" type="datetimeFigureOut">
               <a:rPr lang="pt-BR" smtClean="0"/>
-              <a:t>26/03/2022</a:t>
+              <a:t>28/09/2023</a:t>
             </a:fld>
             <a:endParaRPr lang="pt-BR"/>
           </a:p>
@@ -2498,7 +2498,7 @@
           <a:p>
             <a:fld id="{9E7C69A2-E3EF-46C9-8587-B1505559D420}" type="datetimeFigureOut">
               <a:rPr lang="pt-BR" smtClean="0"/>
-              <a:t>26/03/2022</a:t>
+              <a:t>28/09/2023</a:t>
             </a:fld>
             <a:endParaRPr lang="pt-BR"/>
           </a:p>
@@ -2635,7 +2635,7 @@
           <a:p>
             <a:fld id="{9E7C69A2-E3EF-46C9-8587-B1505559D420}" type="datetimeFigureOut">
               <a:rPr lang="pt-BR" smtClean="0"/>
-              <a:t>26/03/2022</a:t>
+              <a:t>28/09/2023</a:t>
             </a:fld>
             <a:endParaRPr lang="pt-BR"/>
           </a:p>
@@ -2970,7 +2970,7 @@
           <a:p>
             <a:fld id="{9E7C69A2-E3EF-46C9-8587-B1505559D420}" type="datetimeFigureOut">
               <a:rPr lang="pt-BR" smtClean="0"/>
-              <a:t>26/03/2022</a:t>
+              <a:t>28/09/2023</a:t>
             </a:fld>
             <a:endParaRPr lang="pt-BR"/>
           </a:p>
@@ -3282,7 +3282,7 @@
           <a:p>
             <a:fld id="{9E7C69A2-E3EF-46C9-8587-B1505559D420}" type="datetimeFigureOut">
               <a:rPr lang="pt-BR" smtClean="0"/>
-              <a:t>26/03/2022</a:t>
+              <a:t>28/09/2023</a:t>
             </a:fld>
             <a:endParaRPr lang="pt-BR"/>
           </a:p>
@@ -3504,7 +3504,7 @@
           <a:p>
             <a:fld id="{9E7C69A2-E3EF-46C9-8587-B1505559D420}" type="datetimeFigureOut">
               <a:rPr lang="pt-BR" smtClean="0"/>
-              <a:t>26/03/2022</a:t>
+              <a:t>28/09/2023</a:t>
             </a:fld>
             <a:endParaRPr lang="pt-BR"/>
           </a:p>
@@ -3736,7 +3736,7 @@
           <a:p>
             <a:fld id="{9E7C69A2-E3EF-46C9-8587-B1505559D420}" type="datetimeFigureOut">
               <a:rPr lang="pt-BR" smtClean="0"/>
-              <a:t>26/03/2022</a:t>
+              <a:t>28/09/2023</a:t>
             </a:fld>
             <a:endParaRPr lang="pt-BR"/>
           </a:p>
@@ -9292,7 +9292,7 @@
           <p:nvPr>
             <p:extLst>
               <p:ext uri="{D42A27DB-BD31-4B8C-83A1-F6EECF244321}">
-                <p14:modId xmlns:p14="http://schemas.microsoft.com/office/powerpoint/2010/main" val="1988393614"/>
+                <p14:modId xmlns:p14="http://schemas.microsoft.com/office/powerpoint/2010/main" val="368140920"/>
               </p:ext>
             </p:extLst>
           </p:nvPr>
@@ -9329,7 +9329,27 @@
                           <a:effectLst/>
                           <a:latin typeface="Nunito Regular" pitchFamily="2" charset="77"/>
                         </a:rPr>
-                        <a:t>Idades (anos)</a:t>
+                        <a:t>Age (</a:t>
+                      </a:r>
+                      <a:r>
+                        <a:rPr lang="pt-BR" sz="2000" b="1" i="0" u="none" strike="noStrike" dirty="0" err="1">
+                          <a:solidFill>
+                            <a:srgbClr val="000000"/>
+                          </a:solidFill>
+                          <a:effectLst/>
+                          <a:latin typeface="Nunito Regular" pitchFamily="2" charset="77"/>
+                        </a:rPr>
+                        <a:t>years</a:t>
+                      </a:r>
+                      <a:r>
+                        <a:rPr lang="pt-BR" sz="2000" b="1" i="0" u="none" strike="noStrike" dirty="0">
+                          <a:solidFill>
+                            <a:srgbClr val="000000"/>
+                          </a:solidFill>
+                          <a:effectLst/>
+                          <a:latin typeface="Nunito Regular" pitchFamily="2" charset="77"/>
+                        </a:rPr>
+                        <a:t>)</a:t>
                       </a:r>
                     </a:p>
                   </a:txBody>
@@ -9904,8 +9924,8 @@
         </p:nvSpPr>
         <p:spPr>
           <a:xfrm>
-            <a:off x="3209299" y="3445726"/>
-            <a:ext cx="1797287" cy="369332"/>
+            <a:off x="3552341" y="3445726"/>
+            <a:ext cx="1454245" cy="369332"/>
           </a:xfrm>
           <a:prstGeom prst="rect">
             <a:avLst/>
@@ -9925,7 +9945,23 @@
                   <a:schemeClr val="accent6"/>
                 </a:solidFill>
               </a:rPr>
-              <a:t>50% dos dados</a:t>
+              <a:t>50% </a:t>
+            </a:r>
+            <a:r>
+              <a:rPr lang="pt-BR" dirty="0" err="1">
+                <a:solidFill>
+                  <a:schemeClr val="accent6"/>
+                </a:solidFill>
+              </a:rPr>
+              <a:t>of</a:t>
+            </a:r>
+            <a:r>
+              <a:rPr lang="pt-BR" dirty="0">
+                <a:solidFill>
+                  <a:schemeClr val="accent6"/>
+                </a:solidFill>
+              </a:rPr>
+              <a:t> data</a:t>
             </a:r>
           </a:p>
         </p:txBody>
@@ -9944,8 +9980,8 @@
         </p:nvSpPr>
         <p:spPr>
           <a:xfrm>
-            <a:off x="3210574" y="5237727"/>
-            <a:ext cx="1797287" cy="369332"/>
+            <a:off x="3553617" y="5237727"/>
+            <a:ext cx="1454244" cy="369332"/>
           </a:xfrm>
           <a:prstGeom prst="rect">
             <a:avLst/>
@@ -9965,7 +10001,23 @@
                   <a:schemeClr val="accent6"/>
                 </a:solidFill>
               </a:rPr>
-              <a:t>50% dos dados</a:t>
+              <a:t>50% </a:t>
+            </a:r>
+            <a:r>
+              <a:rPr lang="pt-BR" dirty="0" err="1">
+                <a:solidFill>
+                  <a:schemeClr val="accent6"/>
+                </a:solidFill>
+              </a:rPr>
+              <a:t>of</a:t>
+            </a:r>
+            <a:r>
+              <a:rPr lang="pt-BR" dirty="0">
+                <a:solidFill>
+                  <a:schemeClr val="accent6"/>
+                </a:solidFill>
+              </a:rPr>
+              <a:t> data</a:t>
             </a:r>
           </a:p>
         </p:txBody>
@@ -10291,7 +10343,7 @@
           <p:nvPr>
             <p:extLst>
               <p:ext uri="{D42A27DB-BD31-4B8C-83A1-F6EECF244321}">
-                <p14:modId xmlns:p14="http://schemas.microsoft.com/office/powerpoint/2010/main" val="106862291"/>
+                <p14:modId xmlns:p14="http://schemas.microsoft.com/office/powerpoint/2010/main" val="1498505972"/>
               </p:ext>
             </p:extLst>
           </p:nvPr>
@@ -10328,7 +10380,27 @@
                           <a:effectLst/>
                           <a:latin typeface="Nunito Regular" pitchFamily="2" charset="77"/>
                         </a:rPr>
-                        <a:t>Idades (anos)</a:t>
+                        <a:t>Age (</a:t>
+                      </a:r>
+                      <a:r>
+                        <a:rPr lang="pt-BR" sz="2000" b="1" i="0" u="none" strike="noStrike" dirty="0" err="1">
+                          <a:solidFill>
+                            <a:srgbClr val="000000"/>
+                          </a:solidFill>
+                          <a:effectLst/>
+                          <a:latin typeface="Nunito Regular" pitchFamily="2" charset="77"/>
+                        </a:rPr>
+                        <a:t>years</a:t>
+                      </a:r>
+                      <a:r>
+                        <a:rPr lang="pt-BR" sz="2000" b="1" i="0" u="none" strike="noStrike" dirty="0">
+                          <a:solidFill>
+                            <a:srgbClr val="000000"/>
+                          </a:solidFill>
+                          <a:effectLst/>
+                          <a:latin typeface="Nunito Regular" pitchFamily="2" charset="77"/>
+                        </a:rPr>
+                        <a:t>)</a:t>
                       </a:r>
                     </a:p>
                   </a:txBody>
@@ -10891,8 +10963,8 @@
         </p:nvSpPr>
         <p:spPr>
           <a:xfrm>
-            <a:off x="3209299" y="3590690"/>
-            <a:ext cx="1797287" cy="369332"/>
+            <a:off x="3552342" y="3590690"/>
+            <a:ext cx="1454244" cy="369332"/>
           </a:xfrm>
           <a:prstGeom prst="rect">
             <a:avLst/>
@@ -10912,7 +10984,23 @@
                   <a:schemeClr val="accent6"/>
                 </a:solidFill>
               </a:rPr>
-              <a:t>50% dos dados</a:t>
+              <a:t>50% </a:t>
+            </a:r>
+            <a:r>
+              <a:rPr lang="pt-BR" dirty="0" err="1">
+                <a:solidFill>
+                  <a:schemeClr val="accent6"/>
+                </a:solidFill>
+              </a:rPr>
+              <a:t>of</a:t>
+            </a:r>
+            <a:r>
+              <a:rPr lang="pt-BR" dirty="0">
+                <a:solidFill>
+                  <a:schemeClr val="accent6"/>
+                </a:solidFill>
+              </a:rPr>
+              <a:t> data</a:t>
             </a:r>
           </a:p>
         </p:txBody>
@@ -10931,8 +11019,8 @@
         </p:nvSpPr>
         <p:spPr>
           <a:xfrm>
-            <a:off x="3210574" y="5393842"/>
-            <a:ext cx="1797287" cy="369332"/>
+            <a:off x="3553617" y="5393842"/>
+            <a:ext cx="1454244" cy="369332"/>
           </a:xfrm>
           <a:prstGeom prst="rect">
             <a:avLst/>
@@ -10952,7 +11040,23 @@
                   <a:schemeClr val="accent6"/>
                 </a:solidFill>
               </a:rPr>
-              <a:t>50% dos dados</a:t>
+              <a:t>50% </a:t>
+            </a:r>
+            <a:r>
+              <a:rPr lang="pt-BR" dirty="0" err="1">
+                <a:solidFill>
+                  <a:schemeClr val="accent6"/>
+                </a:solidFill>
+              </a:rPr>
+              <a:t>of</a:t>
+            </a:r>
+            <a:r>
+              <a:rPr lang="pt-BR" dirty="0">
+                <a:solidFill>
+                  <a:schemeClr val="accent6"/>
+                </a:solidFill>
+              </a:rPr>
+              <a:t> data</a:t>
             </a:r>
           </a:p>
         </p:txBody>
@@ -11095,7 +11199,31 @@
                           </a:solidFill>
                           <a:latin typeface="Nunito" pitchFamily="2" charset="77"/>
                         </a:rPr>
-                        <m:t>28,5</m:t>
+                        <m:t>28</m:t>
+                      </m:r>
+                      <m:r>
+                        <m:rPr>
+                          <m:nor/>
+                        </m:rPr>
+                        <a:rPr lang="pt-BR" b="1" i="0" smtClean="0">
+                          <a:solidFill>
+                            <a:schemeClr val="accent4"/>
+                          </a:solidFill>
+                          <a:latin typeface="Nunito" pitchFamily="2" charset="77"/>
+                        </a:rPr>
+                        <m:t>.</m:t>
+                      </m:r>
+                      <m:r>
+                        <m:rPr>
+                          <m:nor/>
+                        </m:rPr>
+                        <a:rPr lang="pt-BR" b="1" i="0" smtClean="0">
+                          <a:solidFill>
+                            <a:schemeClr val="accent4"/>
+                          </a:solidFill>
+                          <a:latin typeface="Nunito" pitchFamily="2" charset="77"/>
+                        </a:rPr>
+                        <m:t>5</m:t>
                       </m:r>
                     </m:oMath>
                   </m:oMathPara>
@@ -11133,7 +11261,7 @@
               <a:blipFill>
                 <a:blip r:embed="rId2"/>
                 <a:stretch>
-                  <a:fillRect l="-3101" t="-16279" r="-3876" b="-13953"/>
+                  <a:fillRect l="-3101" t="-16279" r="-3101" b="-13953"/>
                 </a:stretch>
               </a:blipFill>
             </p:spPr>
@@ -11515,7 +11643,7 @@
           <p:nvPr>
             <p:extLst>
               <p:ext uri="{D42A27DB-BD31-4B8C-83A1-F6EECF244321}">
-                <p14:modId xmlns:p14="http://schemas.microsoft.com/office/powerpoint/2010/main" val="3526335593"/>
+                <p14:modId xmlns:p14="http://schemas.microsoft.com/office/powerpoint/2010/main" val="3186827302"/>
               </p:ext>
             </p:extLst>
           </p:nvPr>
@@ -11552,7 +11680,27 @@
                           <a:effectLst/>
                           <a:latin typeface="Nunito Regular" pitchFamily="2" charset="77"/>
                         </a:rPr>
-                        <a:t>Idades (anos)</a:t>
+                        <a:t>Age (</a:t>
+                      </a:r>
+                      <a:r>
+                        <a:rPr lang="pt-BR" sz="2000" b="1" i="0" u="none" strike="noStrike" dirty="0" err="1">
+                          <a:solidFill>
+                            <a:srgbClr val="000000"/>
+                          </a:solidFill>
+                          <a:effectLst/>
+                          <a:latin typeface="Nunito Regular" pitchFamily="2" charset="77"/>
+                        </a:rPr>
+                        <a:t>years</a:t>
+                      </a:r>
+                      <a:r>
+                        <a:rPr lang="pt-BR" sz="2000" b="1" i="0" u="none" strike="noStrike" dirty="0">
+                          <a:solidFill>
+                            <a:srgbClr val="000000"/>
+                          </a:solidFill>
+                          <a:effectLst/>
+                          <a:latin typeface="Nunito Regular" pitchFamily="2" charset="77"/>
+                        </a:rPr>
+                        <a:t>)</a:t>
                       </a:r>
                     </a:p>
                   </a:txBody>
@@ -12064,8 +12212,8 @@
         </p:nvSpPr>
         <p:spPr>
           <a:xfrm>
-            <a:off x="3215109" y="3213739"/>
-            <a:ext cx="1797287" cy="369332"/>
+            <a:off x="3558152" y="3213739"/>
+            <a:ext cx="1454244" cy="369332"/>
           </a:xfrm>
           <a:prstGeom prst="rect">
             <a:avLst/>
@@ -12085,7 +12233,23 @@
                   <a:schemeClr val="accent6"/>
                 </a:solidFill>
               </a:rPr>
-              <a:t>25% dos dados</a:t>
+              <a:t>25% </a:t>
+            </a:r>
+            <a:r>
+              <a:rPr lang="pt-BR" dirty="0" err="1">
+                <a:solidFill>
+                  <a:schemeClr val="accent6"/>
+                </a:solidFill>
+              </a:rPr>
+              <a:t>of</a:t>
+            </a:r>
+            <a:r>
+              <a:rPr lang="pt-BR" dirty="0">
+                <a:solidFill>
+                  <a:schemeClr val="accent6"/>
+                </a:solidFill>
+              </a:rPr>
+              <a:t> data</a:t>
             </a:r>
           </a:p>
         </p:txBody>
@@ -12104,8 +12268,8 @@
         </p:nvSpPr>
         <p:spPr>
           <a:xfrm>
-            <a:off x="3215109" y="5866237"/>
-            <a:ext cx="1797287" cy="369332"/>
+            <a:off x="3558152" y="5866237"/>
+            <a:ext cx="1454244" cy="369332"/>
           </a:xfrm>
           <a:prstGeom prst="rect">
             <a:avLst/>
@@ -12125,7 +12289,23 @@
                   <a:schemeClr val="accent6"/>
                 </a:solidFill>
               </a:rPr>
-              <a:t>25% dos dados</a:t>
+              <a:t>25% </a:t>
+            </a:r>
+            <a:r>
+              <a:rPr lang="pt-BR" dirty="0" err="1">
+                <a:solidFill>
+                  <a:schemeClr val="accent6"/>
+                </a:solidFill>
+              </a:rPr>
+              <a:t>of</a:t>
+            </a:r>
+            <a:r>
+              <a:rPr lang="pt-BR" dirty="0">
+                <a:solidFill>
+                  <a:schemeClr val="accent6"/>
+                </a:solidFill>
+              </a:rPr>
+              <a:t> data</a:t>
             </a:r>
           </a:p>
         </p:txBody>
@@ -12506,7 +12686,7 @@
         <p:spPr>
           <a:xfrm>
             <a:off x="8140930" y="3587965"/>
-            <a:ext cx="1657826" cy="369332"/>
+            <a:ext cx="1779654" cy="369332"/>
           </a:xfrm>
           <a:prstGeom prst="rect">
             <a:avLst/>
@@ -12520,12 +12700,20 @@
           <a:lstStyle/>
           <a:p>
             <a:r>
+              <a:rPr lang="pt-BR" b="1" dirty="0" err="1">
+                <a:solidFill>
+                  <a:schemeClr val="accent4"/>
+                </a:solidFill>
+              </a:rPr>
+              <a:t>Quartile</a:t>
+            </a:r>
+            <a:r>
               <a:rPr lang="pt-BR" b="1" dirty="0">
                 <a:solidFill>
                   <a:schemeClr val="accent4"/>
                 </a:solidFill>
               </a:rPr>
-              <a:t>Quartil 1 (Q1)</a:t>
+              <a:t> 1 (Q1)</a:t>
             </a:r>
           </a:p>
         </p:txBody>
@@ -12545,7 +12733,7 @@
         <p:spPr>
           <a:xfrm>
             <a:off x="8134602" y="4509997"/>
-            <a:ext cx="1661032" cy="369332"/>
+            <a:ext cx="1782860" cy="369332"/>
           </a:xfrm>
           <a:prstGeom prst="rect">
             <a:avLst/>
@@ -12559,12 +12747,20 @@
           <a:lstStyle/>
           <a:p>
             <a:r>
+              <a:rPr lang="pt-BR" b="1" dirty="0" err="1">
+                <a:solidFill>
+                  <a:schemeClr val="accent4"/>
+                </a:solidFill>
+              </a:rPr>
+              <a:t>Quartile</a:t>
+            </a:r>
+            <a:r>
               <a:rPr lang="pt-BR" b="1" dirty="0">
                 <a:solidFill>
                   <a:schemeClr val="accent4"/>
                 </a:solidFill>
               </a:rPr>
-              <a:t>Quartil 2 (Q2)</a:t>
+              <a:t> 2 (Q2)</a:t>
             </a:r>
           </a:p>
         </p:txBody>
@@ -12584,7 +12780,7 @@
         <p:spPr>
           <a:xfrm>
             <a:off x="8134602" y="5432029"/>
-            <a:ext cx="1657826" cy="369332"/>
+            <a:ext cx="1779654" cy="369332"/>
           </a:xfrm>
           <a:prstGeom prst="rect">
             <a:avLst/>
@@ -12598,12 +12794,20 @@
           <a:lstStyle/>
           <a:p>
             <a:r>
+              <a:rPr lang="pt-BR" b="1" dirty="0" err="1">
+                <a:solidFill>
+                  <a:schemeClr val="accent4"/>
+                </a:solidFill>
+              </a:rPr>
+              <a:t>Quartile</a:t>
+            </a:r>
+            <a:r>
               <a:rPr lang="pt-BR" b="1" dirty="0">
                 <a:solidFill>
                   <a:schemeClr val="accent4"/>
                 </a:solidFill>
               </a:rPr>
-              <a:t>Quartil 3 (Q3)</a:t>
+              <a:t> 3 (Q3)</a:t>
             </a:r>
           </a:p>
         </p:txBody>
@@ -12622,8 +12826,8 @@
         </p:nvSpPr>
         <p:spPr>
           <a:xfrm>
-            <a:off x="9669348" y="4512206"/>
-            <a:ext cx="1284326" cy="369332"/>
+            <a:off x="9780858" y="4512206"/>
+            <a:ext cx="1159292" cy="369332"/>
           </a:xfrm>
           <a:prstGeom prst="rect">
             <a:avLst/>
@@ -12642,8 +12846,21 @@
                   <a:schemeClr val="accent4"/>
                 </a:solidFill>
               </a:rPr>
-              <a:t>= Mediana</a:t>
-            </a:r>
+              <a:t>= </a:t>
+            </a:r>
+            <a:r>
+              <a:rPr lang="pt-BR" b="1" dirty="0" err="1">
+                <a:solidFill>
+                  <a:schemeClr val="accent4"/>
+                </a:solidFill>
+              </a:rPr>
+              <a:t>Median</a:t>
+            </a:r>
+            <a:endParaRPr lang="pt-BR" b="1" dirty="0">
+              <a:solidFill>
+                <a:schemeClr val="accent4"/>
+              </a:solidFill>
+            </a:endParaRPr>
           </a:p>
         </p:txBody>
       </p:sp>
@@ -12814,8 +13031,8 @@
         </p:nvSpPr>
         <p:spPr>
           <a:xfrm>
-            <a:off x="3215109" y="4101622"/>
-            <a:ext cx="1797287" cy="369332"/>
+            <a:off x="3558152" y="4101622"/>
+            <a:ext cx="1454244" cy="369332"/>
           </a:xfrm>
           <a:prstGeom prst="rect">
             <a:avLst/>
@@ -12835,7 +13052,23 @@
                   <a:schemeClr val="accent6"/>
                 </a:solidFill>
               </a:rPr>
-              <a:t>25% dos dados</a:t>
+              <a:t>25% </a:t>
+            </a:r>
+            <a:r>
+              <a:rPr lang="pt-BR" dirty="0" err="1">
+                <a:solidFill>
+                  <a:schemeClr val="accent6"/>
+                </a:solidFill>
+              </a:rPr>
+              <a:t>of</a:t>
+            </a:r>
+            <a:r>
+              <a:rPr lang="pt-BR" dirty="0">
+                <a:solidFill>
+                  <a:schemeClr val="accent6"/>
+                </a:solidFill>
+              </a:rPr>
+              <a:t> data</a:t>
             </a:r>
           </a:p>
         </p:txBody>
@@ -12854,8 +13087,8 @@
         </p:nvSpPr>
         <p:spPr>
           <a:xfrm>
-            <a:off x="3215109" y="5000656"/>
-            <a:ext cx="1797287" cy="369332"/>
+            <a:off x="3558152" y="5000656"/>
+            <a:ext cx="1454244" cy="369332"/>
           </a:xfrm>
           <a:prstGeom prst="rect">
             <a:avLst/>
@@ -12875,7 +13108,23 @@
                   <a:schemeClr val="accent6"/>
                 </a:solidFill>
               </a:rPr>
-              <a:t>25% dos dados</a:t>
+              <a:t>25% </a:t>
+            </a:r>
+            <a:r>
+              <a:rPr lang="pt-BR" dirty="0" err="1">
+                <a:solidFill>
+                  <a:schemeClr val="accent6"/>
+                </a:solidFill>
+              </a:rPr>
+              <a:t>of</a:t>
+            </a:r>
+            <a:r>
+              <a:rPr lang="pt-BR" dirty="0">
+                <a:solidFill>
+                  <a:schemeClr val="accent6"/>
+                </a:solidFill>
+              </a:rPr>
+              <a:t> data</a:t>
             </a:r>
           </a:p>
         </p:txBody>
@@ -13349,7 +13598,7 @@
           <p:nvPr>
             <p:extLst>
               <p:ext uri="{D42A27DB-BD31-4B8C-83A1-F6EECF244321}">
-                <p14:modId xmlns:p14="http://schemas.microsoft.com/office/powerpoint/2010/main" val="773573498"/>
+                <p14:modId xmlns:p14="http://schemas.microsoft.com/office/powerpoint/2010/main" val="3251313415"/>
               </p:ext>
             </p:extLst>
           </p:nvPr>
@@ -13386,7 +13635,27 @@
                           <a:effectLst/>
                           <a:latin typeface="Nunito Regular" pitchFamily="2" charset="77"/>
                         </a:rPr>
-                        <a:t>Idades (anos)</a:t>
+                        <a:t>Age (</a:t>
+                      </a:r>
+                      <a:r>
+                        <a:rPr lang="pt-BR" sz="2000" b="1" i="0" u="none" strike="noStrike" dirty="0" err="1">
+                          <a:solidFill>
+                            <a:srgbClr val="000000"/>
+                          </a:solidFill>
+                          <a:effectLst/>
+                          <a:latin typeface="Nunito Regular" pitchFamily="2" charset="77"/>
+                        </a:rPr>
+                        <a:t>years</a:t>
+                      </a:r>
+                      <a:r>
+                        <a:rPr lang="pt-BR" sz="2000" b="1" i="0" u="none" strike="noStrike" dirty="0">
+                          <a:solidFill>
+                            <a:srgbClr val="000000"/>
+                          </a:solidFill>
+                          <a:effectLst/>
+                          <a:latin typeface="Nunito Regular" pitchFamily="2" charset="77"/>
+                        </a:rPr>
+                        <a:t>)</a:t>
                       </a:r>
                     </a:p>
                   </a:txBody>
@@ -13879,15 +14148,55 @@
           <a:p>
             <a:pPr algn="ctr"/>
             <a:r>
+              <a:rPr lang="pt-BR" dirty="0" err="1"/>
+              <a:t>Theoretical</a:t>
+            </a:r>
+            <a:r>
               <a:rPr lang="pt-BR" dirty="0"/>
-              <a:t>Limite inferior teórico: 14,5</a:t>
+              <a:t> </a:t>
+            </a:r>
+            <a:r>
+              <a:rPr lang="pt-BR" dirty="0" err="1"/>
+              <a:t>lower</a:t>
+            </a:r>
+            <a:r>
+              <a:rPr lang="pt-BR" dirty="0"/>
+              <a:t> </a:t>
+            </a:r>
+            <a:r>
+              <a:rPr lang="pt-BR" dirty="0" err="1"/>
+              <a:t>limit</a:t>
+            </a:r>
+            <a:r>
+              <a:rPr lang="pt-BR" dirty="0"/>
+              <a:t>: 14.5</a:t>
             </a:r>
           </a:p>
           <a:p>
             <a:pPr algn="ctr"/>
             <a:r>
+              <a:rPr lang="pt-BR" dirty="0" err="1"/>
+              <a:t>Theoretical</a:t>
+            </a:r>
+            <a:r>
               <a:rPr lang="pt-BR" dirty="0"/>
-              <a:t>Limite superior teórico: 42,5</a:t>
+              <a:t> </a:t>
+            </a:r>
+            <a:r>
+              <a:rPr lang="pt-BR" dirty="0" err="1"/>
+              <a:t>upper</a:t>
+            </a:r>
+            <a:r>
+              <a:rPr lang="pt-BR" dirty="0"/>
+              <a:t> </a:t>
+            </a:r>
+            <a:r>
+              <a:rPr lang="pt-BR" dirty="0" err="1"/>
+              <a:t>limit</a:t>
+            </a:r>
+            <a:r>
+              <a:rPr lang="pt-BR" dirty="0"/>
+              <a:t> : 42.5</a:t>
             </a:r>
           </a:p>
         </p:txBody>
@@ -14011,7 +14320,7 @@
         <p:spPr>
           <a:xfrm>
             <a:off x="7116804" y="2929312"/>
-            <a:ext cx="1657826" cy="369332"/>
+            <a:ext cx="1858201" cy="369332"/>
           </a:xfrm>
           <a:prstGeom prst="rect">
             <a:avLst/>
@@ -14025,13 +14334,50 @@
           <a:lstStyle/>
           <a:p>
             <a:r>
+              <a:rPr lang="pt-BR" b="1" dirty="0" err="1">
+                <a:solidFill>
+                  <a:schemeClr val="accent1"/>
+                </a:solidFill>
+              </a:rPr>
+              <a:t>True</a:t>
+            </a:r>
+            <a:r>
               <a:rPr lang="pt-BR" b="1" dirty="0">
                 <a:solidFill>
                   <a:schemeClr val="accent1"/>
                 </a:solidFill>
               </a:rPr>
-              <a:t>Limite inferior</a:t>
-            </a:r>
+              <a:t> </a:t>
+            </a:r>
+            <a:r>
+              <a:rPr lang="pt-BR" b="1" dirty="0" err="1">
+                <a:solidFill>
+                  <a:schemeClr val="accent1"/>
+                </a:solidFill>
+              </a:rPr>
+              <a:t>lower</a:t>
+            </a:r>
+            <a:r>
+              <a:rPr lang="pt-BR" b="1" dirty="0">
+                <a:solidFill>
+                  <a:schemeClr val="accent1"/>
+                </a:solidFill>
+              </a:rPr>
+              <a:t> </a:t>
+            </a:r>
+            <a:r>
+              <a:rPr lang="pt-BR" b="1" dirty="0" err="1">
+                <a:solidFill>
+                  <a:schemeClr val="accent1"/>
+                </a:solidFill>
+              </a:rPr>
+              <a:t>limit</a:t>
+            </a:r>
+            <a:endParaRPr lang="pt-BR" b="1" dirty="0">
+              <a:solidFill>
+                <a:schemeClr val="accent1"/>
+              </a:solidFill>
+            </a:endParaRPr>
           </a:p>
         </p:txBody>
       </p:sp>
@@ -14050,7 +14396,7 @@
         <p:spPr>
           <a:xfrm>
             <a:off x="7116804" y="5759886"/>
-            <a:ext cx="1778051" cy="369332"/>
+            <a:ext cx="1880643" cy="369332"/>
           </a:xfrm>
           <a:prstGeom prst="rect">
             <a:avLst/>
@@ -14064,13 +14410,50 @@
           <a:lstStyle/>
           <a:p>
             <a:r>
+              <a:rPr lang="pt-BR" b="1" dirty="0" err="1">
+                <a:solidFill>
+                  <a:schemeClr val="accent1"/>
+                </a:solidFill>
+              </a:rPr>
+              <a:t>True</a:t>
+            </a:r>
+            <a:r>
               <a:rPr lang="pt-BR" b="1" dirty="0">
                 <a:solidFill>
                   <a:schemeClr val="accent1"/>
                 </a:solidFill>
               </a:rPr>
-              <a:t>Limite superior</a:t>
-            </a:r>
+              <a:t> </a:t>
+            </a:r>
+            <a:r>
+              <a:rPr lang="pt-BR" b="1" dirty="0" err="1">
+                <a:solidFill>
+                  <a:schemeClr val="accent1"/>
+                </a:solidFill>
+              </a:rPr>
+              <a:t>upper</a:t>
+            </a:r>
+            <a:r>
+              <a:rPr lang="pt-BR" b="1" dirty="0">
+                <a:solidFill>
+                  <a:schemeClr val="accent1"/>
+                </a:solidFill>
+              </a:rPr>
+              <a:t> </a:t>
+            </a:r>
+            <a:r>
+              <a:rPr lang="pt-BR" b="1" dirty="0" err="1">
+                <a:solidFill>
+                  <a:schemeClr val="accent1"/>
+                </a:solidFill>
+              </a:rPr>
+              <a:t>limit</a:t>
+            </a:r>
+            <a:endParaRPr lang="pt-BR" b="1" dirty="0">
+              <a:solidFill>
+                <a:schemeClr val="accent1"/>
+              </a:solidFill>
+            </a:endParaRPr>
           </a:p>
         </p:txBody>
       </p:sp>
@@ -14103,14 +14486,14 @@
           <a:lstStyle/>
           <a:p>
             <a:r>
-              <a:rPr lang="pt-BR" b="1" i="1" dirty="0" err="1">
+              <a:rPr lang="pt-BR" b="1" dirty="0" err="1">
                 <a:solidFill>
                   <a:schemeClr val="accent1"/>
                 </a:solidFill>
               </a:rPr>
               <a:t>Outlier</a:t>
             </a:r>
-            <a:endParaRPr lang="pt-BR" b="1" i="1" dirty="0">
+            <a:endParaRPr lang="pt-BR" b="1" dirty="0">
               <a:solidFill>
                 <a:schemeClr val="accent1"/>
               </a:solidFill>
